--- a/doc/slides/day1/session3/VirtualizationConfigurationMgmt.pptx
+++ b/doc/slides/day1/session3/VirtualizationConfigurationMgmt.pptx
@@ -4088,6 +4088,13 @@
   <p:clrMapOvr>
     <a:masterClrMapping/>
   </p:clrMapOvr>
+  <p:timing>
+    <p:tnLst>
+      <p:par>
+        <p:cTn xmlns:p14="http://schemas.microsoft.com/office/powerpoint/2010/main" id="1" dur="indefinite" restart="never" nodeType="tmRoot"/>
+      </p:par>
+    </p:tnLst>
+  </p:timing>
 </p:sld>
 </file>
 
@@ -4264,6 +4271,13 @@
   <p:clrMapOvr>
     <a:masterClrMapping/>
   </p:clrMapOvr>
+  <p:timing>
+    <p:tnLst>
+      <p:par>
+        <p:cTn xmlns:p14="http://schemas.microsoft.com/office/powerpoint/2010/main" id="1" dur="indefinite" restart="never" nodeType="tmRoot"/>
+      </p:par>
+    </p:tnLst>
+  </p:timing>
 </p:sld>
 </file>
 
@@ -4629,6 +4643,13 @@
   <p:clrMapOvr>
     <a:masterClrMapping/>
   </p:clrMapOvr>
+  <p:timing>
+    <p:tnLst>
+      <p:par>
+        <p:cTn xmlns:p14="http://schemas.microsoft.com/office/powerpoint/2010/main" id="1" dur="indefinite" restart="never" nodeType="tmRoot"/>
+      </p:par>
+    </p:tnLst>
+  </p:timing>
 </p:sld>
 </file>
 
@@ -5029,19 +5050,23 @@
             </a:r>
             <a:r>
               <a:rPr lang="en-US" dirty="0" err="1" smtClean="0"/>
-              <a:t>gds</a:t>
+              <a:t>gsd</a:t>
             </a:r>
             <a:r>
               <a:rPr lang="en-US" dirty="0" smtClean="0"/>
               <a:t>/</a:t>
             </a:r>
             <a:r>
-              <a:rPr lang="en-US" dirty="0" err="1" smtClean="0"/>
-              <a:t>To_Participants</a:t>
+              <a:rPr lang="en-US" smtClean="0"/>
+              <a:t>To_Participant/</a:t>
             </a:r>
             <a:r>
               <a:rPr lang="en-US" dirty="0" smtClean="0"/>
-              <a:t>/ARANGS/fedora* and name it ‘fedora’</a:t>
+              <a:t>ARANGS13/</a:t>
+            </a:r>
+            <a:r>
+              <a:rPr lang="en-US" dirty="0" smtClean="0"/>
+              <a:t>fedora* and name it ‘fedora’</a:t>
             </a:r>
           </a:p>
           <a:p>
@@ -5132,11 +5157,7 @@
             </a:r>
             <a:r>
               <a:rPr lang="en-US" dirty="0" smtClean="0"/>
-              <a:t> box (forcing it is </a:t>
-            </a:r>
-            <a:r>
-              <a:rPr lang="en-US" smtClean="0"/>
-              <a:t>often necessary)</a:t>
+              <a:t> box (forcing it is often necessary)</a:t>
             </a:r>
             <a:endParaRPr lang="en-US" dirty="0"/>
           </a:p>
@@ -5152,6 +5173,13 @@
   <p:clrMapOvr>
     <a:masterClrMapping/>
   </p:clrMapOvr>
+  <p:timing>
+    <p:tnLst>
+      <p:par>
+        <p:cTn xmlns:p14="http://schemas.microsoft.com/office/powerpoint/2010/main" id="1" dur="indefinite" restart="never" nodeType="tmRoot"/>
+      </p:par>
+    </p:tnLst>
+  </p:timing>
 </p:sld>
 </file>
 
@@ -7261,6 +7289,13 @@
   <p:clrMapOvr>
     <a:masterClrMapping/>
   </p:clrMapOvr>
+  <p:timing>
+    <p:tnLst>
+      <p:par>
+        <p:cTn xmlns:p14="http://schemas.microsoft.com/office/powerpoint/2010/main" id="1" dur="indefinite" restart="never" nodeType="tmRoot"/>
+      </p:par>
+    </p:tnLst>
+  </p:timing>
 </p:sld>
 </file>
 
